--- a/Documents/20190320_small meetingBACanFRUIT.pptx
+++ b/Documents/20190320_small meetingBACanFRUIT.pptx
@@ -20,6 +20,7 @@
     <p:sldId id="259" r:id="rId14"/>
     <p:sldId id="260" r:id="rId15"/>
     <p:sldId id="266" r:id="rId16"/>
+    <p:sldId id="274" r:id="rId17"/>
   </p:sldIdLst>
   <p:sldSz cx="12192000" cy="6858000"/>
   <p:notesSz cx="6858000" cy="9144000"/>
@@ -118,6 +119,11 @@
       </a:defRPr>
     </a:lvl9pPr>
   </p:defaultTextStyle>
+  <p:extLst>
+    <p:ext uri="{EFAFB233-063F-42B5-8137-9DF3F51BA10A}">
+      <p15:sldGuideLst xmlns:p15="http://schemas.microsoft.com/office/powerpoint/2012/main"/>
+    </p:ext>
+  </p:extLst>
 </p:presentation>
 </file>
 
@@ -268,7 +274,7 @@
           <a:p>
             <a:fld id="{4C368A83-404F-4000-88A4-78A47A062FEC}" type="datetimeFigureOut">
               <a:rPr lang="en-US" smtClean="0"/>
-              <a:t>3/20/2019</a:t>
+              <a:t>3/21/2019</a:t>
             </a:fld>
             <a:endParaRPr lang="en-US"/>
           </a:p>
@@ -466,7 +472,7 @@
           <a:p>
             <a:fld id="{4C368A83-404F-4000-88A4-78A47A062FEC}" type="datetimeFigureOut">
               <a:rPr lang="en-US" smtClean="0"/>
-              <a:t>3/20/2019</a:t>
+              <a:t>3/21/2019</a:t>
             </a:fld>
             <a:endParaRPr lang="en-US"/>
           </a:p>
@@ -674,7 +680,7 @@
           <a:p>
             <a:fld id="{4C368A83-404F-4000-88A4-78A47A062FEC}" type="datetimeFigureOut">
               <a:rPr lang="en-US" smtClean="0"/>
-              <a:t>3/20/2019</a:t>
+              <a:t>3/21/2019</a:t>
             </a:fld>
             <a:endParaRPr lang="en-US"/>
           </a:p>
@@ -872,7 +878,7 @@
           <a:p>
             <a:fld id="{4C368A83-404F-4000-88A4-78A47A062FEC}" type="datetimeFigureOut">
               <a:rPr lang="en-US" smtClean="0"/>
-              <a:t>3/20/2019</a:t>
+              <a:t>3/21/2019</a:t>
             </a:fld>
             <a:endParaRPr lang="en-US"/>
           </a:p>
@@ -1147,7 +1153,7 @@
           <a:p>
             <a:fld id="{4C368A83-404F-4000-88A4-78A47A062FEC}" type="datetimeFigureOut">
               <a:rPr lang="en-US" smtClean="0"/>
-              <a:t>3/20/2019</a:t>
+              <a:t>3/21/2019</a:t>
             </a:fld>
             <a:endParaRPr lang="en-US"/>
           </a:p>
@@ -1412,7 +1418,7 @@
           <a:p>
             <a:fld id="{4C368A83-404F-4000-88A4-78A47A062FEC}" type="datetimeFigureOut">
               <a:rPr lang="en-US" smtClean="0"/>
-              <a:t>3/20/2019</a:t>
+              <a:t>3/21/2019</a:t>
             </a:fld>
             <a:endParaRPr lang="en-US"/>
           </a:p>
@@ -1824,7 +1830,7 @@
           <a:p>
             <a:fld id="{4C368A83-404F-4000-88A4-78A47A062FEC}" type="datetimeFigureOut">
               <a:rPr lang="en-US" smtClean="0"/>
-              <a:t>3/20/2019</a:t>
+              <a:t>3/21/2019</a:t>
             </a:fld>
             <a:endParaRPr lang="en-US"/>
           </a:p>
@@ -1965,7 +1971,7 @@
           <a:p>
             <a:fld id="{4C368A83-404F-4000-88A4-78A47A062FEC}" type="datetimeFigureOut">
               <a:rPr lang="en-US" smtClean="0"/>
-              <a:t>3/20/2019</a:t>
+              <a:t>3/21/2019</a:t>
             </a:fld>
             <a:endParaRPr lang="en-US"/>
           </a:p>
@@ -2078,7 +2084,7 @@
           <a:p>
             <a:fld id="{4C368A83-404F-4000-88A4-78A47A062FEC}" type="datetimeFigureOut">
               <a:rPr lang="en-US" smtClean="0"/>
-              <a:t>3/20/2019</a:t>
+              <a:t>3/21/2019</a:t>
             </a:fld>
             <a:endParaRPr lang="en-US"/>
           </a:p>
@@ -2389,7 +2395,7 @@
           <a:p>
             <a:fld id="{4C368A83-404F-4000-88A4-78A47A062FEC}" type="datetimeFigureOut">
               <a:rPr lang="en-US" smtClean="0"/>
-              <a:t>3/20/2019</a:t>
+              <a:t>3/21/2019</a:t>
             </a:fld>
             <a:endParaRPr lang="en-US"/>
           </a:p>
@@ -2677,7 +2683,7 @@
           <a:p>
             <a:fld id="{4C368A83-404F-4000-88A4-78A47A062FEC}" type="datetimeFigureOut">
               <a:rPr lang="en-US" smtClean="0"/>
-              <a:t>3/20/2019</a:t>
+              <a:t>3/21/2019</a:t>
             </a:fld>
             <a:endParaRPr lang="en-US"/>
           </a:p>
@@ -2918,7 +2924,7 @@
           <a:p>
             <a:fld id="{4C368A83-404F-4000-88A4-78A47A062FEC}" type="datetimeFigureOut">
               <a:rPr lang="en-US" smtClean="0"/>
-              <a:t>3/20/2019</a:t>
+              <a:t>3/21/2019</a:t>
             </a:fld>
             <a:endParaRPr lang="en-US"/>
           </a:p>
@@ -4848,6 +4854,148 @@
     <p:extLst>
       <p:ext uri="{BB962C8B-B14F-4D97-AF65-F5344CB8AC3E}">
         <p14:creationId xmlns:p14="http://schemas.microsoft.com/office/powerpoint/2010/main" val="3453202250"/>
+      </p:ext>
+    </p:extLst>
+  </p:cSld>
+  <p:clrMapOvr>
+    <a:masterClrMapping/>
+  </p:clrMapOvr>
+</p:sld>
+</file>
+
+<file path=ppt/slides/slide16.xml><?xml version="1.0" encoding="utf-8"?>
+<p:sld xmlns:a="http://schemas.openxmlformats.org/drawingml/2006/main" xmlns:r="http://schemas.openxmlformats.org/officeDocument/2006/relationships" xmlns:p="http://schemas.openxmlformats.org/presentationml/2006/main">
+  <p:cSld>
+    <p:spTree>
+      <p:nvGrpSpPr>
+        <p:cNvPr id="1" name=""/>
+        <p:cNvGrpSpPr/>
+        <p:nvPr/>
+      </p:nvGrpSpPr>
+      <p:grpSpPr>
+        <a:xfrm>
+          <a:off x="0" y="0"/>
+          <a:ext cx="0" cy="0"/>
+          <a:chOff x="0" y="0"/>
+          <a:chExt cx="0" cy="0"/>
+        </a:xfrm>
+      </p:grpSpPr>
+      <p:sp>
+        <p:nvSpPr>
+          <p:cNvPr id="2" name="Title 1">
+            <a:extLst>
+              <a:ext uri="{FF2B5EF4-FFF2-40B4-BE49-F238E27FC236}">
+                <a16:creationId xmlns:a16="http://schemas.microsoft.com/office/drawing/2014/main" id="{279D9381-0526-4A8E-9A9E-B9340820A754}"/>
+              </a:ext>
+            </a:extLst>
+          </p:cNvPr>
+          <p:cNvSpPr>
+            <a:spLocks noGrp="1"/>
+          </p:cNvSpPr>
+          <p:nvPr>
+            <p:ph type="title"/>
+          </p:nvPr>
+        </p:nvSpPr>
+        <p:spPr/>
+        <p:txBody>
+          <a:bodyPr/>
+          <a:lstStyle/>
+          <a:p>
+            <a:r>
+              <a:rPr lang="en-US" dirty="0" err="1"/>
+              <a:t>PCoA</a:t>
+            </a:r>
+            <a:r>
+              <a:rPr lang="en-US" dirty="0"/>
+              <a:t> of Bacteria in Blueberry Juice</a:t>
+            </a:r>
+          </a:p>
+        </p:txBody>
+      </p:sp>
+      <p:sp>
+        <p:nvSpPr>
+          <p:cNvPr id="3" name="Content Placeholder 2">
+            <a:extLst>
+              <a:ext uri="{FF2B5EF4-FFF2-40B4-BE49-F238E27FC236}">
+                <a16:creationId xmlns:a16="http://schemas.microsoft.com/office/drawing/2014/main" id="{EC9FFEB5-54C0-4B05-A019-E4076D28C8FC}"/>
+              </a:ext>
+            </a:extLst>
+          </p:cNvPr>
+          <p:cNvSpPr>
+            <a:spLocks noGrp="1"/>
+          </p:cNvSpPr>
+          <p:nvPr>
+            <p:ph sz="half" idx="1"/>
+          </p:nvPr>
+        </p:nvSpPr>
+        <p:spPr/>
+        <p:txBody>
+          <a:bodyPr/>
+          <a:lstStyle/>
+          <a:p>
+            <a:endParaRPr lang="en-US"/>
+          </a:p>
+        </p:txBody>
+      </p:sp>
+      <p:sp>
+        <p:nvSpPr>
+          <p:cNvPr id="4" name="Content Placeholder 3">
+            <a:extLst>
+              <a:ext uri="{FF2B5EF4-FFF2-40B4-BE49-F238E27FC236}">
+                <a16:creationId xmlns:a16="http://schemas.microsoft.com/office/drawing/2014/main" id="{55F8F571-C2DC-4424-B95E-9E5E198243D8}"/>
+              </a:ext>
+            </a:extLst>
+          </p:cNvPr>
+          <p:cNvSpPr>
+            <a:spLocks noGrp="1"/>
+          </p:cNvSpPr>
+          <p:nvPr>
+            <p:ph sz="half" idx="2"/>
+          </p:nvPr>
+        </p:nvSpPr>
+        <p:spPr/>
+        <p:txBody>
+          <a:bodyPr/>
+          <a:lstStyle/>
+          <a:p>
+            <a:endParaRPr lang="en-US"/>
+          </a:p>
+        </p:txBody>
+      </p:sp>
+      <p:pic>
+        <p:nvPicPr>
+          <p:cNvPr id="5" name="Picture 4">
+            <a:extLst>
+              <a:ext uri="{FF2B5EF4-FFF2-40B4-BE49-F238E27FC236}">
+                <a16:creationId xmlns:a16="http://schemas.microsoft.com/office/drawing/2014/main" id="{A4D70804-F5D8-4D94-BE12-351075FDC654}"/>
+              </a:ext>
+            </a:extLst>
+          </p:cNvPr>
+          <p:cNvPicPr>
+            <a:picLocks noChangeAspect="1"/>
+          </p:cNvPicPr>
+          <p:nvPr/>
+        </p:nvPicPr>
+        <p:blipFill>
+          <a:blip r:embed="rId2"/>
+          <a:stretch>
+            <a:fillRect/>
+          </a:stretch>
+        </p:blipFill>
+        <p:spPr>
+          <a:xfrm>
+            <a:off x="2121573" y="1690688"/>
+            <a:ext cx="7948854" cy="4905578"/>
+          </a:xfrm>
+          <a:prstGeom prst="rect">
+            <a:avLst/>
+          </a:prstGeom>
+        </p:spPr>
+      </p:pic>
+    </p:spTree>
+    <p:extLst>
+      <p:ext uri="{BB962C8B-B14F-4D97-AF65-F5344CB8AC3E}">
+        <p14:creationId xmlns:p14="http://schemas.microsoft.com/office/powerpoint/2010/main" val="500207778"/>
       </p:ext>
     </p:extLst>
   </p:cSld>
